--- a/blogs/iterative-multi-one-rl.pptx
+++ b/blogs/iterative-multi-one-rl.pptx
@@ -3771,7 +3771,7 @@
         </p:nvSpPr>
         <p:spPr>
           <a:xfrm>
-            <a:off x="8507684" y="3449632"/>
+            <a:off x="8098774" y="3452181"/>
             <a:ext cx="2674043" cy="400110"/>
           </a:xfrm>
           <a:prstGeom prst="rect">
@@ -3835,7 +3835,7 @@
         </p:nvGrpSpPr>
         <p:grpSpPr>
           <a:xfrm>
-            <a:off x="1748846" y="781485"/>
+            <a:off x="1339936" y="784034"/>
             <a:ext cx="9091558" cy="2519442"/>
             <a:chOff x="1936531" y="2248218"/>
             <a:chExt cx="7081345" cy="1962374"/>
@@ -4404,7 +4404,7 @@
         </p:nvSpPr>
         <p:spPr>
           <a:xfrm>
-            <a:off x="9300196" y="5985853"/>
+            <a:off x="8891286" y="5988402"/>
             <a:ext cx="3032841" cy="369332"/>
           </a:xfrm>
           <a:prstGeom prst="rect">
@@ -4452,7 +4452,7 @@
         </p:nvSpPr>
         <p:spPr>
           <a:xfrm>
-            <a:off x="748139" y="5985853"/>
+            <a:off x="339229" y="5988402"/>
             <a:ext cx="3354045" cy="369332"/>
           </a:xfrm>
           <a:prstGeom prst="rect">
@@ -4500,7 +4500,7 @@
         </p:nvGrpSpPr>
         <p:grpSpPr>
           <a:xfrm>
-            <a:off x="8449478" y="3246105"/>
+            <a:off x="8040568" y="3248654"/>
             <a:ext cx="4151432" cy="2756942"/>
             <a:chOff x="961067" y="2110012"/>
             <a:chExt cx="3794890" cy="2439571"/>
@@ -5601,7 +5601,7 @@
         </p:nvGrpSpPr>
         <p:grpSpPr>
           <a:xfrm>
-            <a:off x="1385593" y="3683865"/>
+            <a:off x="976683" y="3686414"/>
             <a:ext cx="3314951" cy="2296069"/>
             <a:chOff x="4885736" y="2886299"/>
             <a:chExt cx="3314951" cy="2296069"/>
@@ -6257,7 +6257,7 @@
         </p:nvGrpSpPr>
         <p:grpSpPr>
           <a:xfrm>
-            <a:off x="5055937" y="3683865"/>
+            <a:off x="4647027" y="3686414"/>
             <a:ext cx="2785237" cy="2343766"/>
             <a:chOff x="9219829" y="3295001"/>
             <a:chExt cx="2785237" cy="2343766"/>
@@ -7038,7 +7038,7 @@
         </p:nvGrpSpPr>
         <p:grpSpPr>
           <a:xfrm>
-            <a:off x="5044339" y="5992177"/>
+            <a:off x="4635429" y="5994726"/>
             <a:ext cx="3487214" cy="369332"/>
             <a:chOff x="4591264" y="6038879"/>
             <a:chExt cx="3120978" cy="369332"/>
@@ -7148,7 +7148,7 @@
         </p:nvSpPr>
         <p:spPr>
           <a:xfrm>
-            <a:off x="4871433" y="3451639"/>
+            <a:off x="4462523" y="3454188"/>
             <a:ext cx="2674043" cy="400110"/>
           </a:xfrm>
           <a:prstGeom prst="rect">
@@ -7212,7 +7212,7 @@
         </p:nvSpPr>
         <p:spPr>
           <a:xfrm>
-            <a:off x="690846" y="3453032"/>
+            <a:off x="281936" y="3455581"/>
             <a:ext cx="2674043" cy="400110"/>
           </a:xfrm>
           <a:prstGeom prst="rect">
@@ -7276,7 +7276,7 @@
         </p:nvCxnSpPr>
         <p:spPr>
           <a:xfrm>
-            <a:off x="709966" y="3378370"/>
+            <a:off x="301056" y="3380919"/>
             <a:ext cx="11357811" cy="0"/>
           </a:xfrm>
           <a:prstGeom prst="line">
@@ -7322,7 +7322,7 @@
         </p:nvSpPr>
         <p:spPr>
           <a:xfrm>
-            <a:off x="690846" y="293975"/>
+            <a:off x="281936" y="296524"/>
             <a:ext cx="6097094" cy="400110"/>
           </a:xfrm>
           <a:prstGeom prst="rect">
@@ -7370,7 +7370,7 @@
         </p:nvSpPr>
         <p:spPr>
           <a:xfrm rot="16200000">
-            <a:off x="4189681" y="4517146"/>
+            <a:off x="3780771" y="4519695"/>
             <a:ext cx="192793" cy="3817003"/>
           </a:xfrm>
           <a:prstGeom prst="leftBrace">
@@ -7414,7 +7414,7 @@
         </p:nvSpPr>
         <p:spPr>
           <a:xfrm>
-            <a:off x="2725789" y="6486119"/>
+            <a:off x="2316879" y="6488668"/>
             <a:ext cx="3482665" cy="369332"/>
           </a:xfrm>
           <a:prstGeom prst="rect">
@@ -7450,8 +7450,8 @@
         </p:nvSpPr>
         <p:spPr>
           <a:xfrm>
-            <a:off x="8533877" y="6486119"/>
-            <a:ext cx="3482665" cy="369332"/>
+            <a:off x="7512642" y="6488668"/>
+            <a:ext cx="4753306" cy="369332"/>
           </a:xfrm>
           <a:prstGeom prst="rect">
             <a:avLst/>
@@ -7465,8 +7465,8 @@
           <a:lstStyle/>
           <a:p>
             <a:r>
-              <a:rPr kumimoji="1" lang="en-US" altLang="zh-CN" dirty="0"/>
-              <a:t>More conservative, but stable</a:t>
+              <a:rPr lang="en" altLang="zh-CN" dirty="0"/>
+              <a:t>Aggressive exploration, but occasionally crash</a:t>
             </a:r>
             <a:endParaRPr kumimoji="1" lang="zh-CN" altLang="en-US" dirty="0"/>
           </a:p>
